--- a/images/Unsupervised_validation_figures.pptx
+++ b/images/Unsupervised_validation_figures.pptx
@@ -3539,10 +3539,10 @@
       </p:grpSpPr>
       <p:grpSp>
         <p:nvGrpSpPr>
-          <p:cNvPr id="5" name="Group 4">
-            <a:extLst>
-              <a:ext uri="{FF2B5EF4-FFF2-40B4-BE49-F238E27FC236}">
-                <a16:creationId xmlns:a16="http://schemas.microsoft.com/office/drawing/2014/main" id="{50A31494-A851-4CD9-9BC2-67AC8C5C1445}"/>
+          <p:cNvPr id="18" name="Group 17">
+            <a:extLst>
+              <a:ext uri="{FF2B5EF4-FFF2-40B4-BE49-F238E27FC236}">
+                <a16:creationId xmlns:a16="http://schemas.microsoft.com/office/drawing/2014/main" id="{0A242783-594D-4E37-8D9F-8F5C47C362F4}"/>
               </a:ext>
             </a:extLst>
           </p:cNvPr>
@@ -3551,18 +3551,203 @@
         </p:nvGrpSpPr>
         <p:grpSpPr>
           <a:xfrm>
-            <a:off x="29803" y="194466"/>
-            <a:ext cx="4059182" cy="3234534"/>
-            <a:chOff x="409297" y="1234435"/>
-            <a:chExt cx="5852172" cy="4389129"/>
+            <a:off x="22476" y="9800"/>
+            <a:ext cx="11903027" cy="3419200"/>
+            <a:chOff x="22476" y="9800"/>
+            <a:chExt cx="11903027" cy="3419200"/>
           </a:xfrm>
         </p:grpSpPr>
+        <p:grpSp>
+          <p:nvGrpSpPr>
+            <p:cNvPr id="5" name="Group 4">
+              <a:extLst>
+                <a:ext uri="{FF2B5EF4-FFF2-40B4-BE49-F238E27FC236}">
+                  <a16:creationId xmlns:a16="http://schemas.microsoft.com/office/drawing/2014/main" id="{50A31494-A851-4CD9-9BC2-67AC8C5C1445}"/>
+                </a:ext>
+              </a:extLst>
+            </p:cNvPr>
+            <p:cNvGrpSpPr/>
+            <p:nvPr/>
+          </p:nvGrpSpPr>
+          <p:grpSpPr>
+            <a:xfrm>
+              <a:off x="29803" y="194466"/>
+              <a:ext cx="4059182" cy="3234534"/>
+              <a:chOff x="409297" y="1234435"/>
+              <a:chExt cx="5852172" cy="4389129"/>
+            </a:xfrm>
+          </p:grpSpPr>
+          <p:pic>
+            <p:nvPicPr>
+              <p:cNvPr id="6" name="Picture 5" descr="A picture containing text, map, screenshot&#10;&#10;Description automatically generated">
+                <a:extLst>
+                  <a:ext uri="{FF2B5EF4-FFF2-40B4-BE49-F238E27FC236}">
+                    <a16:creationId xmlns:a16="http://schemas.microsoft.com/office/drawing/2014/main" id="{079CE27A-0096-4112-99F4-CB279A8A5263}"/>
+                  </a:ext>
+                </a:extLst>
+              </p:cNvPr>
+              <p:cNvPicPr>
+                <a:picLocks noChangeAspect="1"/>
+              </p:cNvPicPr>
+              <p:nvPr/>
+            </p:nvPicPr>
+            <p:blipFill>
+              <a:blip r:embed="rId2">
+                <a:extLst>
+                  <a:ext uri="{28A0092B-C50C-407E-A947-70E740481C1C}">
+                    <a14:useLocalDpi xmlns:a14="http://schemas.microsoft.com/office/drawing/2010/main" val="0"/>
+                  </a:ext>
+                </a:extLst>
+              </a:blip>
+              <a:stretch>
+                <a:fillRect/>
+              </a:stretch>
+            </p:blipFill>
+            <p:spPr>
+              <a:xfrm>
+                <a:off x="409297" y="1234435"/>
+                <a:ext cx="5852172" cy="4389129"/>
+              </a:xfrm>
+              <a:prstGeom prst="rect">
+                <a:avLst/>
+              </a:prstGeom>
+            </p:spPr>
+          </p:pic>
+          <p:sp>
+            <p:nvSpPr>
+              <p:cNvPr id="7" name="Freeform: Shape 6">
+                <a:extLst>
+                  <a:ext uri="{FF2B5EF4-FFF2-40B4-BE49-F238E27FC236}">
+                    <a16:creationId xmlns:a16="http://schemas.microsoft.com/office/drawing/2014/main" id="{C1EA5797-3D2C-4ACB-9A65-E56C878E4568}"/>
+                  </a:ext>
+                </a:extLst>
+              </p:cNvPr>
+              <p:cNvSpPr/>
+              <p:nvPr/>
+            </p:nvSpPr>
+            <p:spPr>
+              <a:xfrm>
+                <a:off x="1339850" y="1905000"/>
+                <a:ext cx="4159250" cy="2965450"/>
+              </a:xfrm>
+              <a:custGeom>
+                <a:avLst/>
+                <a:gdLst>
+                  <a:gd name="connsiteX0" fmla="*/ 0 w 4159250"/>
+                  <a:gd name="connsiteY0" fmla="*/ 2965450 h 2965450"/>
+                  <a:gd name="connsiteX1" fmla="*/ 0 w 4159250"/>
+                  <a:gd name="connsiteY1" fmla="*/ 6350 h 2965450"/>
+                  <a:gd name="connsiteX2" fmla="*/ 4159250 w 4159250"/>
+                  <a:gd name="connsiteY2" fmla="*/ 0 h 2965450"/>
+                  <a:gd name="connsiteX3" fmla="*/ 4159250 w 4159250"/>
+                  <a:gd name="connsiteY3" fmla="*/ 1524000 h 2965450"/>
+                  <a:gd name="connsiteX4" fmla="*/ 3302000 w 4159250"/>
+                  <a:gd name="connsiteY4" fmla="*/ 2057400 h 2965450"/>
+                  <a:gd name="connsiteX5" fmla="*/ 806450 w 4159250"/>
+                  <a:gd name="connsiteY5" fmla="*/ 2692400 h 2965450"/>
+                  <a:gd name="connsiteX6" fmla="*/ 0 w 4159250"/>
+                  <a:gd name="connsiteY6" fmla="*/ 2965450 h 2965450"/>
+                </a:gdLst>
+                <a:ahLst/>
+                <a:cxnLst>
+                  <a:cxn ang="0">
+                    <a:pos x="connsiteX0" y="connsiteY0"/>
+                  </a:cxn>
+                  <a:cxn ang="0">
+                    <a:pos x="connsiteX1" y="connsiteY1"/>
+                  </a:cxn>
+                  <a:cxn ang="0">
+                    <a:pos x="connsiteX2" y="connsiteY2"/>
+                  </a:cxn>
+                  <a:cxn ang="0">
+                    <a:pos x="connsiteX3" y="connsiteY3"/>
+                  </a:cxn>
+                  <a:cxn ang="0">
+                    <a:pos x="connsiteX4" y="connsiteY4"/>
+                  </a:cxn>
+                  <a:cxn ang="0">
+                    <a:pos x="connsiteX5" y="connsiteY5"/>
+                  </a:cxn>
+                  <a:cxn ang="0">
+                    <a:pos x="connsiteX6" y="connsiteY6"/>
+                  </a:cxn>
+                </a:cxnLst>
+                <a:rect l="l" t="t" r="r" b="b"/>
+                <a:pathLst>
+                  <a:path w="4159250" h="2965450">
+                    <a:moveTo>
+                      <a:pt x="0" y="2965450"/>
+                    </a:moveTo>
+                    <a:lnTo>
+                      <a:pt x="0" y="6350"/>
+                    </a:lnTo>
+                    <a:lnTo>
+                      <a:pt x="4159250" y="0"/>
+                    </a:lnTo>
+                    <a:lnTo>
+                      <a:pt x="4159250" y="1524000"/>
+                    </a:lnTo>
+                    <a:lnTo>
+                      <a:pt x="3302000" y="2057400"/>
+                    </a:lnTo>
+                    <a:lnTo>
+                      <a:pt x="806450" y="2692400"/>
+                    </a:lnTo>
+                    <a:lnTo>
+                      <a:pt x="0" y="2965450"/>
+                    </a:lnTo>
+                    <a:close/>
+                  </a:path>
+                </a:pathLst>
+              </a:custGeom>
+              <a:solidFill>
+                <a:srgbClr val="FFC000">
+                  <a:alpha val="40000"/>
+                </a:srgbClr>
+              </a:solidFill>
+              <a:ln>
+                <a:noFill/>
+              </a:ln>
+            </p:spPr>
+            <p:style>
+              <a:lnRef idx="2">
+                <a:schemeClr val="accent1">
+                  <a:shade val="50000"/>
+                </a:schemeClr>
+              </a:lnRef>
+              <a:fillRef idx="1">
+                <a:schemeClr val="accent1"/>
+              </a:fillRef>
+              <a:effectRef idx="0">
+                <a:schemeClr val="accent1"/>
+              </a:effectRef>
+              <a:fontRef idx="minor">
+                <a:schemeClr val="lt1"/>
+              </a:fontRef>
+            </p:style>
+            <p:txBody>
+              <a:bodyPr rtlCol="0" anchor="ctr"/>
+              <a:lstStyle/>
+              <a:p>
+                <a:pPr algn="ctr"/>
+                <a:r>
+                  <a:rPr lang="en-US" dirty="0">
+                    <a:solidFill>
+                      <a:srgbClr val="FF0000"/>
+                    </a:solidFill>
+                  </a:rPr>
+                  <a:t>AREA = 49.35%</a:t>
+                </a:r>
+              </a:p>
+            </p:txBody>
+          </p:sp>
+        </p:grpSp>
         <p:pic>
           <p:nvPicPr>
-            <p:cNvPr id="6" name="Picture 5" descr="A picture containing text, map, screenshot&#10;&#10;Description automatically generated">
+            <p:cNvPr id="9" name="Picture 8" descr="A close up of a map&#10;&#10;Description automatically generated">
               <a:extLst>
                 <a:ext uri="{FF2B5EF4-FFF2-40B4-BE49-F238E27FC236}">
-                  <a16:creationId xmlns:a16="http://schemas.microsoft.com/office/drawing/2014/main" id="{079CE27A-0096-4112-99F4-CB279A8A5263}"/>
+                  <a16:creationId xmlns:a16="http://schemas.microsoft.com/office/drawing/2014/main" id="{22A03B31-1158-4CA2-AC52-05D61D6239C4}"/>
                 </a:ext>
               </a:extLst>
             </p:cNvPr>
@@ -3572,7 +3757,7 @@
             <p:nvPr/>
           </p:nvPicPr>
           <p:blipFill>
-            <a:blip r:embed="rId2">
+            <a:blip r:embed="rId3">
               <a:extLst>
                 <a:ext uri="{28A0092B-C50C-407E-A947-70E740481C1C}">
                   <a14:useLocalDpi xmlns:a14="http://schemas.microsoft.com/office/drawing/2010/main" val="0"/>
@@ -3585,20 +3770,209 @@
           </p:blipFill>
           <p:spPr>
             <a:xfrm>
-              <a:off x="409297" y="1234435"/>
-              <a:ext cx="5852172" cy="4389129"/>
+              <a:off x="3694532" y="194466"/>
+              <a:ext cx="4312712" cy="3234534"/>
             </a:xfrm>
             <a:prstGeom prst="rect">
               <a:avLst/>
             </a:prstGeom>
           </p:spPr>
         </p:pic>
+        <p:grpSp>
+          <p:nvGrpSpPr>
+            <p:cNvPr id="13" name="Group 12">
+              <a:extLst>
+                <a:ext uri="{FF2B5EF4-FFF2-40B4-BE49-F238E27FC236}">
+                  <a16:creationId xmlns:a16="http://schemas.microsoft.com/office/drawing/2014/main" id="{0A45D343-8EB7-4DE1-A82E-8702C961DDD4}"/>
+                </a:ext>
+              </a:extLst>
+            </p:cNvPr>
+            <p:cNvGrpSpPr/>
+            <p:nvPr/>
+          </p:nvGrpSpPr>
+          <p:grpSpPr>
+            <a:xfrm>
+              <a:off x="7612791" y="164049"/>
+              <a:ext cx="4312712" cy="3234534"/>
+              <a:chOff x="3790305" y="194466"/>
+              <a:chExt cx="4312712" cy="3234534"/>
+            </a:xfrm>
+          </p:grpSpPr>
+          <p:pic>
+            <p:nvPicPr>
+              <p:cNvPr id="11" name="Picture 10" descr="A close up of a map&#10;&#10;Description automatically generated">
+                <a:extLst>
+                  <a:ext uri="{FF2B5EF4-FFF2-40B4-BE49-F238E27FC236}">
+                    <a16:creationId xmlns:a16="http://schemas.microsoft.com/office/drawing/2014/main" id="{22D8D263-3AA8-437E-AA4D-B541E206C181}"/>
+                  </a:ext>
+                </a:extLst>
+              </p:cNvPr>
+              <p:cNvPicPr>
+                <a:picLocks noChangeAspect="1"/>
+              </p:cNvPicPr>
+              <p:nvPr/>
+            </p:nvPicPr>
+            <p:blipFill>
+              <a:blip r:embed="rId4">
+                <a:extLst>
+                  <a:ext uri="{28A0092B-C50C-407E-A947-70E740481C1C}">
+                    <a14:useLocalDpi xmlns:a14="http://schemas.microsoft.com/office/drawing/2010/main" val="0"/>
+                  </a:ext>
+                </a:extLst>
+              </a:blip>
+              <a:stretch>
+                <a:fillRect/>
+              </a:stretch>
+            </p:blipFill>
+            <p:spPr>
+              <a:xfrm>
+                <a:off x="3790305" y="194466"/>
+                <a:ext cx="4312712" cy="3234534"/>
+              </a:xfrm>
+              <a:prstGeom prst="rect">
+                <a:avLst/>
+              </a:prstGeom>
+            </p:spPr>
+          </p:pic>
+          <p:sp>
+            <p:nvSpPr>
+              <p:cNvPr id="12" name="Freeform: Shape 11">
+                <a:extLst>
+                  <a:ext uri="{FF2B5EF4-FFF2-40B4-BE49-F238E27FC236}">
+                    <a16:creationId xmlns:a16="http://schemas.microsoft.com/office/drawing/2014/main" id="{7E492AB1-906A-498A-B571-C521EA1FF70E}"/>
+                  </a:ext>
+                </a:extLst>
+              </p:cNvPr>
+              <p:cNvSpPr/>
+              <p:nvPr/>
+            </p:nvSpPr>
+            <p:spPr>
+              <a:xfrm>
+                <a:off x="4476750" y="692150"/>
+                <a:ext cx="3060700" cy="2222500"/>
+              </a:xfrm>
+              <a:custGeom>
+                <a:avLst/>
+                <a:gdLst>
+                  <a:gd name="connsiteX0" fmla="*/ 0 w 3060700"/>
+                  <a:gd name="connsiteY0" fmla="*/ 2222500 h 2222500"/>
+                  <a:gd name="connsiteX1" fmla="*/ 12700 w 3060700"/>
+                  <a:gd name="connsiteY1" fmla="*/ 0 h 2222500"/>
+                  <a:gd name="connsiteX2" fmla="*/ 3054350 w 3060700"/>
+                  <a:gd name="connsiteY2" fmla="*/ 6350 h 2222500"/>
+                  <a:gd name="connsiteX3" fmla="*/ 3060700 w 3060700"/>
+                  <a:gd name="connsiteY3" fmla="*/ 1257300 h 2222500"/>
+                  <a:gd name="connsiteX4" fmla="*/ 2425700 w 3060700"/>
+                  <a:gd name="connsiteY4" fmla="*/ 1549400 h 2222500"/>
+                  <a:gd name="connsiteX5" fmla="*/ 596900 w 3060700"/>
+                  <a:gd name="connsiteY5" fmla="*/ 1974850 h 2222500"/>
+                  <a:gd name="connsiteX6" fmla="*/ 0 w 3060700"/>
+                  <a:gd name="connsiteY6" fmla="*/ 2222500 h 2222500"/>
+                </a:gdLst>
+                <a:ahLst/>
+                <a:cxnLst>
+                  <a:cxn ang="0">
+                    <a:pos x="connsiteX0" y="connsiteY0"/>
+                  </a:cxn>
+                  <a:cxn ang="0">
+                    <a:pos x="connsiteX1" y="connsiteY1"/>
+                  </a:cxn>
+                  <a:cxn ang="0">
+                    <a:pos x="connsiteX2" y="connsiteY2"/>
+                  </a:cxn>
+                  <a:cxn ang="0">
+                    <a:pos x="connsiteX3" y="connsiteY3"/>
+                  </a:cxn>
+                  <a:cxn ang="0">
+                    <a:pos x="connsiteX4" y="connsiteY4"/>
+                  </a:cxn>
+                  <a:cxn ang="0">
+                    <a:pos x="connsiteX5" y="connsiteY5"/>
+                  </a:cxn>
+                  <a:cxn ang="0">
+                    <a:pos x="connsiteX6" y="connsiteY6"/>
+                  </a:cxn>
+                </a:cxnLst>
+                <a:rect l="l" t="t" r="r" b="b"/>
+                <a:pathLst>
+                  <a:path w="3060700" h="2222500">
+                    <a:moveTo>
+                      <a:pt x="0" y="2222500"/>
+                    </a:moveTo>
+                    <a:cubicBezTo>
+                      <a:pt x="4233" y="1481667"/>
+                      <a:pt x="8467" y="740833"/>
+                      <a:pt x="12700" y="0"/>
+                    </a:cubicBezTo>
+                    <a:lnTo>
+                      <a:pt x="3054350" y="6350"/>
+                    </a:lnTo>
+                    <a:cubicBezTo>
+                      <a:pt x="3056467" y="423333"/>
+                      <a:pt x="3058583" y="840317"/>
+                      <a:pt x="3060700" y="1257300"/>
+                    </a:cubicBezTo>
+                    <a:lnTo>
+                      <a:pt x="2425700" y="1549400"/>
+                    </a:lnTo>
+                    <a:lnTo>
+                      <a:pt x="596900" y="1974850"/>
+                    </a:lnTo>
+                    <a:lnTo>
+                      <a:pt x="0" y="2222500"/>
+                    </a:lnTo>
+                    <a:close/>
+                  </a:path>
+                </a:pathLst>
+              </a:custGeom>
+              <a:solidFill>
+                <a:srgbClr val="FFC000">
+                  <a:alpha val="40000"/>
+                </a:srgbClr>
+              </a:solidFill>
+              <a:ln>
+                <a:noFill/>
+              </a:ln>
+            </p:spPr>
+            <p:style>
+              <a:lnRef idx="2">
+                <a:schemeClr val="accent1">
+                  <a:shade val="50000"/>
+                </a:schemeClr>
+              </a:lnRef>
+              <a:fillRef idx="1">
+                <a:schemeClr val="accent1"/>
+              </a:fillRef>
+              <a:effectRef idx="0">
+                <a:schemeClr val="accent1"/>
+              </a:effectRef>
+              <a:fontRef idx="minor">
+                <a:schemeClr val="lt1"/>
+              </a:fontRef>
+            </p:style>
+            <p:txBody>
+              <a:bodyPr rtlCol="0" anchor="ctr"/>
+              <a:lstStyle/>
+              <a:p>
+                <a:pPr algn="ctr"/>
+                <a:r>
+                  <a:rPr lang="en-US" dirty="0">
+                    <a:solidFill>
+                      <a:srgbClr val="FF0000"/>
+                    </a:solidFill>
+                  </a:rPr>
+                  <a:t>AREA = 58.7%</a:t>
+                </a:r>
+              </a:p>
+            </p:txBody>
+          </p:sp>
+        </p:grpSp>
         <p:sp>
           <p:nvSpPr>
-            <p:cNvPr id="7" name="Freeform: Shape 6">
+            <p:cNvPr id="14" name="Freeform: Shape 13">
               <a:extLst>
                 <a:ext uri="{FF2B5EF4-FFF2-40B4-BE49-F238E27FC236}">
-                  <a16:creationId xmlns:a16="http://schemas.microsoft.com/office/drawing/2014/main" id="{C1EA5797-3D2C-4ACB-9A65-E56C878E4568}"/>
+                  <a16:creationId xmlns:a16="http://schemas.microsoft.com/office/drawing/2014/main" id="{7AAD36C1-2DE0-4D69-9C74-55A3283B7732}"/>
                 </a:ext>
               </a:extLst>
             </p:cNvPr>
@@ -3607,26 +3981,26 @@
           </p:nvSpPr>
           <p:spPr>
             <a:xfrm>
-              <a:off x="1339850" y="1905000"/>
-              <a:ext cx="4159250" cy="2965450"/>
+              <a:off x="4373880" y="693420"/>
+              <a:ext cx="3063240" cy="2232660"/>
             </a:xfrm>
             <a:custGeom>
               <a:avLst/>
               <a:gdLst>
-                <a:gd name="connsiteX0" fmla="*/ 0 w 4159250"/>
-                <a:gd name="connsiteY0" fmla="*/ 2965450 h 2965450"/>
-                <a:gd name="connsiteX1" fmla="*/ 0 w 4159250"/>
-                <a:gd name="connsiteY1" fmla="*/ 6350 h 2965450"/>
-                <a:gd name="connsiteX2" fmla="*/ 4159250 w 4159250"/>
-                <a:gd name="connsiteY2" fmla="*/ 0 h 2965450"/>
-                <a:gd name="connsiteX3" fmla="*/ 4159250 w 4159250"/>
-                <a:gd name="connsiteY3" fmla="*/ 1524000 h 2965450"/>
-                <a:gd name="connsiteX4" fmla="*/ 3302000 w 4159250"/>
-                <a:gd name="connsiteY4" fmla="*/ 2057400 h 2965450"/>
-                <a:gd name="connsiteX5" fmla="*/ 806450 w 4159250"/>
-                <a:gd name="connsiteY5" fmla="*/ 2692400 h 2965450"/>
-                <a:gd name="connsiteX6" fmla="*/ 0 w 4159250"/>
-                <a:gd name="connsiteY6" fmla="*/ 2965450 h 2965450"/>
+                <a:gd name="connsiteX0" fmla="*/ 0 w 3063240"/>
+                <a:gd name="connsiteY0" fmla="*/ 2232660 h 2232660"/>
+                <a:gd name="connsiteX1" fmla="*/ 0 w 3063240"/>
+                <a:gd name="connsiteY1" fmla="*/ 0 h 2232660"/>
+                <a:gd name="connsiteX2" fmla="*/ 3063240 w 3063240"/>
+                <a:gd name="connsiteY2" fmla="*/ 0 h 2232660"/>
+                <a:gd name="connsiteX3" fmla="*/ 3063240 w 3063240"/>
+                <a:gd name="connsiteY3" fmla="*/ 1257300 h 2232660"/>
+                <a:gd name="connsiteX4" fmla="*/ 2438400 w 3063240"/>
+                <a:gd name="connsiteY4" fmla="*/ 1562100 h 2232660"/>
+                <a:gd name="connsiteX5" fmla="*/ 579120 w 3063240"/>
+                <a:gd name="connsiteY5" fmla="*/ 2004060 h 2232660"/>
+                <a:gd name="connsiteX6" fmla="*/ 0 w 3063240"/>
+                <a:gd name="connsiteY6" fmla="*/ 2232660 h 2232660"/>
               </a:gdLst>
               <a:ahLst/>
               <a:cxnLst>
@@ -3654,27 +4028,27 @@
               </a:cxnLst>
               <a:rect l="l" t="t" r="r" b="b"/>
               <a:pathLst>
-                <a:path w="4159250" h="2965450">
+                <a:path w="3063240" h="2232660">
                   <a:moveTo>
-                    <a:pt x="0" y="2965450"/>
+                    <a:pt x="0" y="2232660"/>
                   </a:moveTo>
                   <a:lnTo>
-                    <a:pt x="0" y="6350"/>
+                    <a:pt x="0" y="0"/>
                   </a:lnTo>
                   <a:lnTo>
-                    <a:pt x="4159250" y="0"/>
+                    <a:pt x="3063240" y="0"/>
                   </a:lnTo>
                   <a:lnTo>
-                    <a:pt x="4159250" y="1524000"/>
+                    <a:pt x="3063240" y="1257300"/>
                   </a:lnTo>
                   <a:lnTo>
-                    <a:pt x="3302000" y="2057400"/>
+                    <a:pt x="2438400" y="1562100"/>
                   </a:lnTo>
                   <a:lnTo>
-                    <a:pt x="806450" y="2692400"/>
+                    <a:pt x="579120" y="2004060"/>
                   </a:lnTo>
                   <a:lnTo>
-                    <a:pt x="0" y="2965450"/>
+                    <a:pt x="0" y="2232660"/>
                   </a:lnTo>
                   <a:close/>
                 </a:path>
@@ -3716,470 +4090,117 @@
                     <a:srgbClr val="FF0000"/>
                   </a:solidFill>
                 </a:rPr>
-                <a:t>AREA = 49.35%</a:t>
+                <a:t>AREA=55.51%</a:t>
+              </a:r>
+            </a:p>
+          </p:txBody>
+        </p:sp>
+        <p:sp>
+          <p:nvSpPr>
+            <p:cNvPr id="15" name="TextBox 14">
+              <a:extLst>
+                <a:ext uri="{FF2B5EF4-FFF2-40B4-BE49-F238E27FC236}">
+                  <a16:creationId xmlns:a16="http://schemas.microsoft.com/office/drawing/2014/main" id="{1287A0DF-F9E9-4313-8817-02FEF575E6E5}"/>
+                </a:ext>
+              </a:extLst>
+            </p:cNvPr>
+            <p:cNvSpPr txBox="1"/>
+            <p:nvPr/>
+          </p:nvSpPr>
+          <p:spPr>
+            <a:xfrm>
+              <a:off x="22476" y="9800"/>
+              <a:ext cx="468398" cy="369332"/>
+            </a:xfrm>
+            <a:prstGeom prst="rect">
+              <a:avLst/>
+            </a:prstGeom>
+            <a:noFill/>
+          </p:spPr>
+          <p:txBody>
+            <a:bodyPr wrap="none" rtlCol="0">
+              <a:spAutoFit/>
+            </a:bodyPr>
+            <a:lstStyle/>
+            <a:p>
+              <a:r>
+                <a:rPr lang="en-US" b="1" dirty="0"/>
+                <a:t>(A)</a:t>
+              </a:r>
+            </a:p>
+          </p:txBody>
+        </p:sp>
+        <p:sp>
+          <p:nvSpPr>
+            <p:cNvPr id="16" name="TextBox 15">
+              <a:extLst>
+                <a:ext uri="{FF2B5EF4-FFF2-40B4-BE49-F238E27FC236}">
+                  <a16:creationId xmlns:a16="http://schemas.microsoft.com/office/drawing/2014/main" id="{755F9B46-7B06-420A-8892-5DDFEC92F4C4}"/>
+                </a:ext>
+              </a:extLst>
+            </p:cNvPr>
+            <p:cNvSpPr txBox="1"/>
+            <p:nvPr/>
+          </p:nvSpPr>
+          <p:spPr>
+            <a:xfrm>
+              <a:off x="3698192" y="9800"/>
+              <a:ext cx="458780" cy="369332"/>
+            </a:xfrm>
+            <a:prstGeom prst="rect">
+              <a:avLst/>
+            </a:prstGeom>
+            <a:noFill/>
+          </p:spPr>
+          <p:txBody>
+            <a:bodyPr wrap="none" rtlCol="0">
+              <a:spAutoFit/>
+            </a:bodyPr>
+            <a:lstStyle/>
+            <a:p>
+              <a:r>
+                <a:rPr lang="en-US" b="1" dirty="0"/>
+                <a:t>(B)</a:t>
+              </a:r>
+            </a:p>
+          </p:txBody>
+        </p:sp>
+        <p:sp>
+          <p:nvSpPr>
+            <p:cNvPr id="17" name="TextBox 16">
+              <a:extLst>
+                <a:ext uri="{FF2B5EF4-FFF2-40B4-BE49-F238E27FC236}">
+                  <a16:creationId xmlns:a16="http://schemas.microsoft.com/office/drawing/2014/main" id="{8C767715-C3DA-4072-B19C-A072C094141D}"/>
+                </a:ext>
+              </a:extLst>
+            </p:cNvPr>
+            <p:cNvSpPr txBox="1"/>
+            <p:nvPr/>
+          </p:nvSpPr>
+          <p:spPr>
+            <a:xfrm>
+              <a:off x="7612791" y="9800"/>
+              <a:ext cx="458780" cy="369332"/>
+            </a:xfrm>
+            <a:prstGeom prst="rect">
+              <a:avLst/>
+            </a:prstGeom>
+            <a:noFill/>
+          </p:spPr>
+          <p:txBody>
+            <a:bodyPr wrap="none" rtlCol="0">
+              <a:spAutoFit/>
+            </a:bodyPr>
+            <a:lstStyle/>
+            <a:p>
+              <a:r>
+                <a:rPr lang="en-US" b="1" dirty="0"/>
+                <a:t>(C)</a:t>
               </a:r>
             </a:p>
           </p:txBody>
         </p:sp>
       </p:grpSp>
-      <p:pic>
-        <p:nvPicPr>
-          <p:cNvPr id="9" name="Picture 8" descr="A close up of a map&#10;&#10;Description automatically generated">
-            <a:extLst>
-              <a:ext uri="{FF2B5EF4-FFF2-40B4-BE49-F238E27FC236}">
-                <a16:creationId xmlns:a16="http://schemas.microsoft.com/office/drawing/2014/main" id="{22A03B31-1158-4CA2-AC52-05D61D6239C4}"/>
-              </a:ext>
-            </a:extLst>
-          </p:cNvPr>
-          <p:cNvPicPr>
-            <a:picLocks noChangeAspect="1"/>
-          </p:cNvPicPr>
-          <p:nvPr/>
-        </p:nvPicPr>
-        <p:blipFill>
-          <a:blip r:embed="rId3">
-            <a:extLst>
-              <a:ext uri="{28A0092B-C50C-407E-A947-70E740481C1C}">
-                <a14:useLocalDpi xmlns:a14="http://schemas.microsoft.com/office/drawing/2010/main" val="0"/>
-              </a:ext>
-            </a:extLst>
-          </a:blip>
-          <a:stretch>
-            <a:fillRect/>
-          </a:stretch>
-        </p:blipFill>
-        <p:spPr>
-          <a:xfrm>
-            <a:off x="3694424" y="194466"/>
-            <a:ext cx="4312712" cy="3234534"/>
-          </a:xfrm>
-          <a:prstGeom prst="rect">
-            <a:avLst/>
-          </a:prstGeom>
-        </p:spPr>
-      </p:pic>
-      <p:grpSp>
-        <p:nvGrpSpPr>
-          <p:cNvPr id="13" name="Group 12">
-            <a:extLst>
-              <a:ext uri="{FF2B5EF4-FFF2-40B4-BE49-F238E27FC236}">
-                <a16:creationId xmlns:a16="http://schemas.microsoft.com/office/drawing/2014/main" id="{0A45D343-8EB7-4DE1-A82E-8702C961DDD4}"/>
-              </a:ext>
-            </a:extLst>
-          </p:cNvPr>
-          <p:cNvGrpSpPr/>
-          <p:nvPr/>
-        </p:nvGrpSpPr>
-        <p:grpSpPr>
-          <a:xfrm>
-            <a:off x="7612791" y="164049"/>
-            <a:ext cx="4312712" cy="3234534"/>
-            <a:chOff x="3790305" y="194466"/>
-            <a:chExt cx="4312712" cy="3234534"/>
-          </a:xfrm>
-        </p:grpSpPr>
-        <p:pic>
-          <p:nvPicPr>
-            <p:cNvPr id="11" name="Picture 10" descr="A close up of a map&#10;&#10;Description automatically generated">
-              <a:extLst>
-                <a:ext uri="{FF2B5EF4-FFF2-40B4-BE49-F238E27FC236}">
-                  <a16:creationId xmlns:a16="http://schemas.microsoft.com/office/drawing/2014/main" id="{22D8D263-3AA8-437E-AA4D-B541E206C181}"/>
-                </a:ext>
-              </a:extLst>
-            </p:cNvPr>
-            <p:cNvPicPr>
-              <a:picLocks noChangeAspect="1"/>
-            </p:cNvPicPr>
-            <p:nvPr/>
-          </p:nvPicPr>
-          <p:blipFill>
-            <a:blip r:embed="rId4">
-              <a:extLst>
-                <a:ext uri="{28A0092B-C50C-407E-A947-70E740481C1C}">
-                  <a14:useLocalDpi xmlns:a14="http://schemas.microsoft.com/office/drawing/2010/main" val="0"/>
-                </a:ext>
-              </a:extLst>
-            </a:blip>
-            <a:stretch>
-              <a:fillRect/>
-            </a:stretch>
-          </p:blipFill>
-          <p:spPr>
-            <a:xfrm>
-              <a:off x="3790305" y="194466"/>
-              <a:ext cx="4312712" cy="3234534"/>
-            </a:xfrm>
-            <a:prstGeom prst="rect">
-              <a:avLst/>
-            </a:prstGeom>
-          </p:spPr>
-        </p:pic>
-        <p:sp>
-          <p:nvSpPr>
-            <p:cNvPr id="12" name="Freeform: Shape 11">
-              <a:extLst>
-                <a:ext uri="{FF2B5EF4-FFF2-40B4-BE49-F238E27FC236}">
-                  <a16:creationId xmlns:a16="http://schemas.microsoft.com/office/drawing/2014/main" id="{7E492AB1-906A-498A-B571-C521EA1FF70E}"/>
-                </a:ext>
-              </a:extLst>
-            </p:cNvPr>
-            <p:cNvSpPr/>
-            <p:nvPr/>
-          </p:nvSpPr>
-          <p:spPr>
-            <a:xfrm>
-              <a:off x="4476750" y="692150"/>
-              <a:ext cx="3060700" cy="2222500"/>
-            </a:xfrm>
-            <a:custGeom>
-              <a:avLst/>
-              <a:gdLst>
-                <a:gd name="connsiteX0" fmla="*/ 0 w 3060700"/>
-                <a:gd name="connsiteY0" fmla="*/ 2222500 h 2222500"/>
-                <a:gd name="connsiteX1" fmla="*/ 12700 w 3060700"/>
-                <a:gd name="connsiteY1" fmla="*/ 0 h 2222500"/>
-                <a:gd name="connsiteX2" fmla="*/ 3054350 w 3060700"/>
-                <a:gd name="connsiteY2" fmla="*/ 6350 h 2222500"/>
-                <a:gd name="connsiteX3" fmla="*/ 3060700 w 3060700"/>
-                <a:gd name="connsiteY3" fmla="*/ 1257300 h 2222500"/>
-                <a:gd name="connsiteX4" fmla="*/ 2425700 w 3060700"/>
-                <a:gd name="connsiteY4" fmla="*/ 1549400 h 2222500"/>
-                <a:gd name="connsiteX5" fmla="*/ 596900 w 3060700"/>
-                <a:gd name="connsiteY5" fmla="*/ 1974850 h 2222500"/>
-                <a:gd name="connsiteX6" fmla="*/ 0 w 3060700"/>
-                <a:gd name="connsiteY6" fmla="*/ 2222500 h 2222500"/>
-              </a:gdLst>
-              <a:ahLst/>
-              <a:cxnLst>
-                <a:cxn ang="0">
-                  <a:pos x="connsiteX0" y="connsiteY0"/>
-                </a:cxn>
-                <a:cxn ang="0">
-                  <a:pos x="connsiteX1" y="connsiteY1"/>
-                </a:cxn>
-                <a:cxn ang="0">
-                  <a:pos x="connsiteX2" y="connsiteY2"/>
-                </a:cxn>
-                <a:cxn ang="0">
-                  <a:pos x="connsiteX3" y="connsiteY3"/>
-                </a:cxn>
-                <a:cxn ang="0">
-                  <a:pos x="connsiteX4" y="connsiteY4"/>
-                </a:cxn>
-                <a:cxn ang="0">
-                  <a:pos x="connsiteX5" y="connsiteY5"/>
-                </a:cxn>
-                <a:cxn ang="0">
-                  <a:pos x="connsiteX6" y="connsiteY6"/>
-                </a:cxn>
-              </a:cxnLst>
-              <a:rect l="l" t="t" r="r" b="b"/>
-              <a:pathLst>
-                <a:path w="3060700" h="2222500">
-                  <a:moveTo>
-                    <a:pt x="0" y="2222500"/>
-                  </a:moveTo>
-                  <a:cubicBezTo>
-                    <a:pt x="4233" y="1481667"/>
-                    <a:pt x="8467" y="740833"/>
-                    <a:pt x="12700" y="0"/>
-                  </a:cubicBezTo>
-                  <a:lnTo>
-                    <a:pt x="3054350" y="6350"/>
-                  </a:lnTo>
-                  <a:cubicBezTo>
-                    <a:pt x="3056467" y="423333"/>
-                    <a:pt x="3058583" y="840317"/>
-                    <a:pt x="3060700" y="1257300"/>
-                  </a:cubicBezTo>
-                  <a:lnTo>
-                    <a:pt x="2425700" y="1549400"/>
-                  </a:lnTo>
-                  <a:lnTo>
-                    <a:pt x="596900" y="1974850"/>
-                  </a:lnTo>
-                  <a:lnTo>
-                    <a:pt x="0" y="2222500"/>
-                  </a:lnTo>
-                  <a:close/>
-                </a:path>
-              </a:pathLst>
-            </a:custGeom>
-            <a:solidFill>
-              <a:srgbClr val="FFC000">
-                <a:alpha val="40000"/>
-              </a:srgbClr>
-            </a:solidFill>
-            <a:ln>
-              <a:noFill/>
-            </a:ln>
-          </p:spPr>
-          <p:style>
-            <a:lnRef idx="2">
-              <a:schemeClr val="accent1">
-                <a:shade val="50000"/>
-              </a:schemeClr>
-            </a:lnRef>
-            <a:fillRef idx="1">
-              <a:schemeClr val="accent1"/>
-            </a:fillRef>
-            <a:effectRef idx="0">
-              <a:schemeClr val="accent1"/>
-            </a:effectRef>
-            <a:fontRef idx="minor">
-              <a:schemeClr val="lt1"/>
-            </a:fontRef>
-          </p:style>
-          <p:txBody>
-            <a:bodyPr rtlCol="0" anchor="ctr"/>
-            <a:lstStyle/>
-            <a:p>
-              <a:pPr algn="ctr"/>
-              <a:r>
-                <a:rPr lang="en-US" dirty="0">
-                  <a:solidFill>
-                    <a:srgbClr val="FF0000"/>
-                  </a:solidFill>
-                </a:rPr>
-                <a:t>AREA = 58.7%</a:t>
-              </a:r>
-            </a:p>
-          </p:txBody>
-        </p:sp>
-      </p:grpSp>
-      <p:sp>
-        <p:nvSpPr>
-          <p:cNvPr id="14" name="Freeform: Shape 13">
-            <a:extLst>
-              <a:ext uri="{FF2B5EF4-FFF2-40B4-BE49-F238E27FC236}">
-                <a16:creationId xmlns:a16="http://schemas.microsoft.com/office/drawing/2014/main" id="{7AAD36C1-2DE0-4D69-9C74-55A3283B7732}"/>
-              </a:ext>
-            </a:extLst>
-          </p:cNvPr>
-          <p:cNvSpPr/>
-          <p:nvPr/>
-        </p:nvSpPr>
-        <p:spPr>
-          <a:xfrm>
-            <a:off x="4373880" y="693420"/>
-            <a:ext cx="3063240" cy="2232660"/>
-          </a:xfrm>
-          <a:custGeom>
-            <a:avLst/>
-            <a:gdLst>
-              <a:gd name="connsiteX0" fmla="*/ 0 w 3063240"/>
-              <a:gd name="connsiteY0" fmla="*/ 2232660 h 2232660"/>
-              <a:gd name="connsiteX1" fmla="*/ 0 w 3063240"/>
-              <a:gd name="connsiteY1" fmla="*/ 0 h 2232660"/>
-              <a:gd name="connsiteX2" fmla="*/ 3063240 w 3063240"/>
-              <a:gd name="connsiteY2" fmla="*/ 0 h 2232660"/>
-              <a:gd name="connsiteX3" fmla="*/ 3063240 w 3063240"/>
-              <a:gd name="connsiteY3" fmla="*/ 1257300 h 2232660"/>
-              <a:gd name="connsiteX4" fmla="*/ 2438400 w 3063240"/>
-              <a:gd name="connsiteY4" fmla="*/ 1562100 h 2232660"/>
-              <a:gd name="connsiteX5" fmla="*/ 579120 w 3063240"/>
-              <a:gd name="connsiteY5" fmla="*/ 2004060 h 2232660"/>
-              <a:gd name="connsiteX6" fmla="*/ 0 w 3063240"/>
-              <a:gd name="connsiteY6" fmla="*/ 2232660 h 2232660"/>
-            </a:gdLst>
-            <a:ahLst/>
-            <a:cxnLst>
-              <a:cxn ang="0">
-                <a:pos x="connsiteX0" y="connsiteY0"/>
-              </a:cxn>
-              <a:cxn ang="0">
-                <a:pos x="connsiteX1" y="connsiteY1"/>
-              </a:cxn>
-              <a:cxn ang="0">
-                <a:pos x="connsiteX2" y="connsiteY2"/>
-              </a:cxn>
-              <a:cxn ang="0">
-                <a:pos x="connsiteX3" y="connsiteY3"/>
-              </a:cxn>
-              <a:cxn ang="0">
-                <a:pos x="connsiteX4" y="connsiteY4"/>
-              </a:cxn>
-              <a:cxn ang="0">
-                <a:pos x="connsiteX5" y="connsiteY5"/>
-              </a:cxn>
-              <a:cxn ang="0">
-                <a:pos x="connsiteX6" y="connsiteY6"/>
-              </a:cxn>
-            </a:cxnLst>
-            <a:rect l="l" t="t" r="r" b="b"/>
-            <a:pathLst>
-              <a:path w="3063240" h="2232660">
-                <a:moveTo>
-                  <a:pt x="0" y="2232660"/>
-                </a:moveTo>
-                <a:lnTo>
-                  <a:pt x="0" y="0"/>
-                </a:lnTo>
-                <a:lnTo>
-                  <a:pt x="3063240" y="0"/>
-                </a:lnTo>
-                <a:lnTo>
-                  <a:pt x="3063240" y="1257300"/>
-                </a:lnTo>
-                <a:lnTo>
-                  <a:pt x="2438400" y="1562100"/>
-                </a:lnTo>
-                <a:lnTo>
-                  <a:pt x="579120" y="2004060"/>
-                </a:lnTo>
-                <a:lnTo>
-                  <a:pt x="0" y="2232660"/>
-                </a:lnTo>
-                <a:close/>
-              </a:path>
-            </a:pathLst>
-          </a:custGeom>
-          <a:solidFill>
-            <a:srgbClr val="FFC000">
-              <a:alpha val="40000"/>
-            </a:srgbClr>
-          </a:solidFill>
-          <a:ln>
-            <a:noFill/>
-          </a:ln>
-        </p:spPr>
-        <p:style>
-          <a:lnRef idx="2">
-            <a:schemeClr val="accent1">
-              <a:shade val="50000"/>
-            </a:schemeClr>
-          </a:lnRef>
-          <a:fillRef idx="1">
-            <a:schemeClr val="accent1"/>
-          </a:fillRef>
-          <a:effectRef idx="0">
-            <a:schemeClr val="accent1"/>
-          </a:effectRef>
-          <a:fontRef idx="minor">
-            <a:schemeClr val="lt1"/>
-          </a:fontRef>
-        </p:style>
-        <p:txBody>
-          <a:bodyPr rtlCol="0" anchor="ctr"/>
-          <a:lstStyle/>
-          <a:p>
-            <a:pPr algn="ctr"/>
-            <a:r>
-              <a:rPr lang="en-US" dirty="0">
-                <a:solidFill>
-                  <a:srgbClr val="FF0000"/>
-                </a:solidFill>
-              </a:rPr>
-              <a:t>AREA=55.51%</a:t>
-            </a:r>
-          </a:p>
-        </p:txBody>
-      </p:sp>
-      <p:sp>
-        <p:nvSpPr>
-          <p:cNvPr id="15" name="TextBox 14">
-            <a:extLst>
-              <a:ext uri="{FF2B5EF4-FFF2-40B4-BE49-F238E27FC236}">
-                <a16:creationId xmlns:a16="http://schemas.microsoft.com/office/drawing/2014/main" id="{1287A0DF-F9E9-4313-8817-02FEF575E6E5}"/>
-              </a:ext>
-            </a:extLst>
-          </p:cNvPr>
-          <p:cNvSpPr txBox="1"/>
-          <p:nvPr/>
-        </p:nvSpPr>
-        <p:spPr>
-          <a:xfrm>
-            <a:off x="22476" y="9800"/>
-            <a:ext cx="468398" cy="369332"/>
-          </a:xfrm>
-          <a:prstGeom prst="rect">
-            <a:avLst/>
-          </a:prstGeom>
-          <a:noFill/>
-        </p:spPr>
-        <p:txBody>
-          <a:bodyPr wrap="none" rtlCol="0">
-            <a:spAutoFit/>
-          </a:bodyPr>
-          <a:lstStyle/>
-          <a:p>
-            <a:r>
-              <a:rPr lang="en-US" b="1" dirty="0"/>
-              <a:t>(A)</a:t>
-            </a:r>
-          </a:p>
-        </p:txBody>
-      </p:sp>
-      <p:sp>
-        <p:nvSpPr>
-          <p:cNvPr id="16" name="TextBox 15">
-            <a:extLst>
-              <a:ext uri="{FF2B5EF4-FFF2-40B4-BE49-F238E27FC236}">
-                <a16:creationId xmlns:a16="http://schemas.microsoft.com/office/drawing/2014/main" id="{755F9B46-7B06-420A-8892-5DDFEC92F4C4}"/>
-              </a:ext>
-            </a:extLst>
-          </p:cNvPr>
-          <p:cNvSpPr txBox="1"/>
-          <p:nvPr/>
-        </p:nvSpPr>
-        <p:spPr>
-          <a:xfrm>
-            <a:off x="3698192" y="9800"/>
-            <a:ext cx="458780" cy="369332"/>
-          </a:xfrm>
-          <a:prstGeom prst="rect">
-            <a:avLst/>
-          </a:prstGeom>
-          <a:noFill/>
-        </p:spPr>
-        <p:txBody>
-          <a:bodyPr wrap="none" rtlCol="0">
-            <a:spAutoFit/>
-          </a:bodyPr>
-          <a:lstStyle/>
-          <a:p>
-            <a:r>
-              <a:rPr lang="en-US" b="1" dirty="0"/>
-              <a:t>(B)</a:t>
-            </a:r>
-          </a:p>
-        </p:txBody>
-      </p:sp>
-      <p:sp>
-        <p:nvSpPr>
-          <p:cNvPr id="17" name="TextBox 16">
-            <a:extLst>
-              <a:ext uri="{FF2B5EF4-FFF2-40B4-BE49-F238E27FC236}">
-                <a16:creationId xmlns:a16="http://schemas.microsoft.com/office/drawing/2014/main" id="{8C767715-C3DA-4072-B19C-A072C094141D}"/>
-              </a:ext>
-            </a:extLst>
-          </p:cNvPr>
-          <p:cNvSpPr txBox="1"/>
-          <p:nvPr/>
-        </p:nvSpPr>
-        <p:spPr>
-          <a:xfrm>
-            <a:off x="7612791" y="9800"/>
-            <a:ext cx="458780" cy="369332"/>
-          </a:xfrm>
-          <a:prstGeom prst="rect">
-            <a:avLst/>
-          </a:prstGeom>
-          <a:noFill/>
-        </p:spPr>
-        <p:txBody>
-          <a:bodyPr wrap="none" rtlCol="0">
-            <a:spAutoFit/>
-          </a:bodyPr>
-          <a:lstStyle/>
-          <a:p>
-            <a:r>
-              <a:rPr lang="en-US" b="1" dirty="0"/>
-              <a:t>(C)</a:t>
-            </a:r>
-          </a:p>
-        </p:txBody>
-      </p:sp>
     </p:spTree>
     <p:extLst>
       <p:ext uri="{BB962C8B-B14F-4D97-AF65-F5344CB8AC3E}">
